--- a/src/org/gsac/gsl/docs/gsac.pptx
+++ b/src/org/gsac/gsl/docs/gsac.pptx
@@ -6,6 +6,11 @@
   </p:sldMasterIdLst>
   <p:sldIdLst>
     <p:sldId id="256" r:id="rId2"/>
+    <p:sldId id="257" r:id="rId3"/>
+    <p:sldId id="258" r:id="rId4"/>
+    <p:sldId id="259" r:id="rId5"/>
+    <p:sldId id="260" r:id="rId6"/>
+    <p:sldId id="262" r:id="rId7"/>
   </p:sldIdLst>
   <p:sldSz cx="9144000" cy="6858000" type="screen4x3"/>
   <p:notesSz cx="6858000" cy="9144000"/>
@@ -3061,7 +3066,7 @@
       </p:grpSpPr>
       <p:pic>
         <p:nvPicPr>
-          <p:cNvPr id="8" name="Picture 7" descr="Screen shot 2011-03-09 at 1.03.05 PM.png"/>
+          <p:cNvPr id="11" name="Picture 10" descr="Screen shot 2011-03-09 at 3.42.12 PM.png"/>
           <p:cNvPicPr>
             <a:picLocks noChangeAspect="1"/>
           </p:cNvPicPr>
@@ -3075,8 +3080,1049 @@
         </p:blipFill>
         <p:spPr>
           <a:xfrm>
-            <a:off x="215900" y="198836"/>
-            <a:ext cx="8567738" cy="6071789"/>
+            <a:off x="1677988" y="0"/>
+            <a:ext cx="6346825" cy="6858000"/>
+          </a:xfrm>
+          <a:prstGeom prst="rect">
+            <a:avLst/>
+          </a:prstGeom>
+        </p:spPr>
+      </p:pic>
+      <p:sp>
+        <p:nvSpPr>
+          <p:cNvPr id="12" name="Right Arrow 11"/>
+          <p:cNvSpPr/>
+          <p:nvPr/>
+        </p:nvSpPr>
+        <p:spPr>
+          <a:xfrm>
+            <a:off x="279400" y="914400"/>
+            <a:ext cx="1803400" cy="1079500"/>
+          </a:xfrm>
+          <a:prstGeom prst="rightArrow">
+            <a:avLst/>
+          </a:prstGeom>
+          <a:solidFill>
+            <a:srgbClr val="FFFF00"/>
+          </a:solidFill>
+        </p:spPr>
+        <p:style>
+          <a:lnRef idx="1">
+            <a:schemeClr val="accent1"/>
+          </a:lnRef>
+          <a:fillRef idx="3">
+            <a:schemeClr val="accent1"/>
+          </a:fillRef>
+          <a:effectRef idx="2">
+            <a:schemeClr val="accent1"/>
+          </a:effectRef>
+          <a:fontRef idx="minor">
+            <a:schemeClr val="lt1"/>
+          </a:fontRef>
+        </p:style>
+        <p:txBody>
+          <a:bodyPr rtlCol="0" anchor="ctr"/>
+          <a:lstStyle/>
+          <a:p>
+            <a:pPr algn="ctr"/>
+            <a:r>
+              <a:rPr lang="en-US" dirty="0" smtClean="0">
+                <a:solidFill>
+                  <a:schemeClr val="tx1"/>
+                </a:solidFill>
+              </a:rPr>
+              <a:t>Use “*” for wildcard</a:t>
+            </a:r>
+            <a:endParaRPr lang="en-US" dirty="0">
+              <a:solidFill>
+                <a:schemeClr val="tx1"/>
+              </a:solidFill>
+            </a:endParaRPr>
+          </a:p>
+        </p:txBody>
+      </p:sp>
+      <p:sp>
+        <p:nvSpPr>
+          <p:cNvPr id="14" name="Left Arrow 13"/>
+          <p:cNvSpPr/>
+          <p:nvPr/>
+        </p:nvSpPr>
+        <p:spPr>
+          <a:xfrm>
+            <a:off x="4991100" y="2768600"/>
+            <a:ext cx="2832100" cy="965200"/>
+          </a:xfrm>
+          <a:prstGeom prst="leftArrow">
+            <a:avLst/>
+          </a:prstGeom>
+          <a:solidFill>
+            <a:srgbClr val="FFFF00"/>
+          </a:solidFill>
+        </p:spPr>
+        <p:style>
+          <a:lnRef idx="1">
+            <a:schemeClr val="accent1"/>
+          </a:lnRef>
+          <a:fillRef idx="3">
+            <a:schemeClr val="accent1"/>
+          </a:fillRef>
+          <a:effectRef idx="2">
+            <a:schemeClr val="accent1"/>
+          </a:effectRef>
+          <a:fontRef idx="minor">
+            <a:schemeClr val="lt1"/>
+          </a:fontRef>
+        </p:style>
+        <p:txBody>
+          <a:bodyPr rtlCol="0" anchor="ctr"/>
+          <a:lstStyle/>
+          <a:p>
+            <a:pPr algn="ctr"/>
+            <a:r>
+              <a:rPr lang="en-US" dirty="0" smtClean="0">
+                <a:solidFill>
+                  <a:schemeClr val="tx1"/>
+                </a:solidFill>
+              </a:rPr>
+              <a:t>Select spatial bounds</a:t>
+            </a:r>
+            <a:endParaRPr lang="en-US" dirty="0">
+              <a:solidFill>
+                <a:schemeClr val="tx1"/>
+              </a:solidFill>
+            </a:endParaRPr>
+          </a:p>
+        </p:txBody>
+      </p:sp>
+      <p:sp>
+        <p:nvSpPr>
+          <p:cNvPr id="15" name="Left Arrow 14"/>
+          <p:cNvSpPr/>
+          <p:nvPr/>
+        </p:nvSpPr>
+        <p:spPr>
+          <a:xfrm>
+            <a:off x="4343400" y="4152900"/>
+            <a:ext cx="2590800" cy="1054100"/>
+          </a:xfrm>
+          <a:prstGeom prst="leftArrow">
+            <a:avLst/>
+          </a:prstGeom>
+          <a:solidFill>
+            <a:srgbClr val="FFFF00"/>
+          </a:solidFill>
+        </p:spPr>
+        <p:style>
+          <a:lnRef idx="1">
+            <a:schemeClr val="accent1"/>
+          </a:lnRef>
+          <a:fillRef idx="3">
+            <a:schemeClr val="accent1"/>
+          </a:fillRef>
+          <a:effectRef idx="2">
+            <a:schemeClr val="accent1"/>
+          </a:effectRef>
+          <a:fontRef idx="minor">
+            <a:schemeClr val="lt1"/>
+          </a:fontRef>
+        </p:style>
+        <p:txBody>
+          <a:bodyPr rtlCol="0" anchor="ctr"/>
+          <a:lstStyle/>
+          <a:p>
+            <a:pPr algn="ctr"/>
+            <a:r>
+              <a:rPr lang="en-US" dirty="0" smtClean="0">
+                <a:solidFill>
+                  <a:schemeClr val="tx1"/>
+                </a:solidFill>
+              </a:rPr>
+              <a:t>Choose result format</a:t>
+            </a:r>
+            <a:endParaRPr lang="en-US" dirty="0">
+              <a:solidFill>
+                <a:schemeClr val="tx1"/>
+              </a:solidFill>
+            </a:endParaRPr>
+          </a:p>
+        </p:txBody>
+      </p:sp>
+      <p:sp>
+        <p:nvSpPr>
+          <p:cNvPr id="16" name="Right Arrow 15"/>
+          <p:cNvSpPr/>
+          <p:nvPr/>
+        </p:nvSpPr>
+        <p:spPr>
+          <a:xfrm>
+            <a:off x="279400" y="3733800"/>
+            <a:ext cx="1803400" cy="1079500"/>
+          </a:xfrm>
+          <a:prstGeom prst="rightArrow">
+            <a:avLst/>
+          </a:prstGeom>
+          <a:solidFill>
+            <a:srgbClr val="FFFF00"/>
+          </a:solidFill>
+        </p:spPr>
+        <p:style>
+          <a:lnRef idx="1">
+            <a:schemeClr val="accent1"/>
+          </a:lnRef>
+          <a:fillRef idx="3">
+            <a:schemeClr val="accent1"/>
+          </a:fillRef>
+          <a:effectRef idx="2">
+            <a:schemeClr val="accent1"/>
+          </a:effectRef>
+          <a:fontRef idx="minor">
+            <a:schemeClr val="lt1"/>
+          </a:fontRef>
+        </p:style>
+        <p:txBody>
+          <a:bodyPr rtlCol="0" anchor="ctr"/>
+          <a:lstStyle/>
+          <a:p>
+            <a:pPr algn="ctr"/>
+            <a:r>
+              <a:rPr lang="en-US" dirty="0" smtClean="0">
+                <a:solidFill>
+                  <a:schemeClr val="tx1"/>
+                </a:solidFill>
+              </a:rPr>
+              <a:t>Open for more options</a:t>
+            </a:r>
+            <a:endParaRPr lang="en-US" dirty="0">
+              <a:solidFill>
+                <a:schemeClr val="tx1"/>
+              </a:solidFill>
+            </a:endParaRPr>
+          </a:p>
+        </p:txBody>
+      </p:sp>
+      <p:sp>
+        <p:nvSpPr>
+          <p:cNvPr id="17" name="Right Arrow 16"/>
+          <p:cNvSpPr/>
+          <p:nvPr/>
+        </p:nvSpPr>
+        <p:spPr>
+          <a:xfrm>
+            <a:off x="4559300" y="527050"/>
+            <a:ext cx="1803400" cy="1079500"/>
+          </a:xfrm>
+          <a:prstGeom prst="rightArrow">
+            <a:avLst/>
+          </a:prstGeom>
+          <a:solidFill>
+            <a:srgbClr val="FFFF00"/>
+          </a:solidFill>
+        </p:spPr>
+        <p:style>
+          <a:lnRef idx="1">
+            <a:schemeClr val="accent1"/>
+          </a:lnRef>
+          <a:fillRef idx="3">
+            <a:schemeClr val="accent1"/>
+          </a:fillRef>
+          <a:effectRef idx="2">
+            <a:schemeClr val="accent1"/>
+          </a:effectRef>
+          <a:fontRef idx="minor">
+            <a:schemeClr val="lt1"/>
+          </a:fontRef>
+        </p:style>
+        <p:txBody>
+          <a:bodyPr rtlCol="0" anchor="ctr"/>
+          <a:lstStyle/>
+          <a:p>
+            <a:pPr algn="ctr"/>
+            <a:r>
+              <a:rPr lang="en-US" dirty="0" smtClean="0">
+                <a:solidFill>
+                  <a:schemeClr val="tx1"/>
+                </a:solidFill>
+              </a:rPr>
+              <a:t>Look for files instead</a:t>
+            </a:r>
+            <a:endParaRPr lang="en-US" dirty="0">
+              <a:solidFill>
+                <a:schemeClr val="tx1"/>
+              </a:solidFill>
+            </a:endParaRPr>
+          </a:p>
+        </p:txBody>
+      </p:sp>
+    </p:spTree>
+  </p:cSld>
+  <p:clrMapOvr>
+    <a:masterClrMapping/>
+  </p:clrMapOvr>
+</p:sld>
+</file>
+
+<file path=ppt/slides/slide2.xml><?xml version="1.0" encoding="utf-8"?>
+<p:sld xmlns:a="http://schemas.openxmlformats.org/drawingml/2006/main" xmlns:r="http://schemas.openxmlformats.org/officeDocument/2006/relationships" xmlns:mc="http://schemas.openxmlformats.org/markup-compatibility/2006" xmlns:mv="urn:schemas-microsoft-com:mac:vml" xmlns:p="http://schemas.openxmlformats.org/presentationml/2006/main" mc:Ignorable="mv" mc:PreserveAttributes="mv:*">
+  <p:cSld>
+    <p:spTree>
+      <p:nvGrpSpPr>
+        <p:cNvPr id="1" name=""/>
+        <p:cNvGrpSpPr/>
+        <p:nvPr/>
+      </p:nvGrpSpPr>
+      <p:grpSpPr>
+        <a:xfrm>
+          <a:off x="0" y="0"/>
+          <a:ext cx="0" cy="0"/>
+          <a:chOff x="0" y="0"/>
+          <a:chExt cx="0" cy="0"/>
+        </a:xfrm>
+      </p:grpSpPr>
+      <p:pic>
+        <p:nvPicPr>
+          <p:cNvPr id="10" name="Picture 9" descr="Screen shot 2011-03-09 at 3.58.53 PM.png"/>
+          <p:cNvPicPr>
+            <a:picLocks noChangeAspect="1"/>
+          </p:cNvPicPr>
+          <p:nvPr/>
+        </p:nvPicPr>
+        <p:blipFill>
+          <a:blip r:embed="rId2"/>
+          <a:stretch>
+            <a:fillRect/>
+          </a:stretch>
+        </p:blipFill>
+        <p:spPr>
+          <a:xfrm>
+            <a:off x="2035175" y="6350"/>
+            <a:ext cx="7292976" cy="6858000"/>
+          </a:xfrm>
+          <a:prstGeom prst="rect">
+            <a:avLst/>
+          </a:prstGeom>
+        </p:spPr>
+      </p:pic>
+      <p:sp>
+        <p:nvSpPr>
+          <p:cNvPr id="5" name="Right Arrow 4"/>
+          <p:cNvSpPr/>
+          <p:nvPr/>
+        </p:nvSpPr>
+        <p:spPr>
+          <a:xfrm>
+            <a:off x="330200" y="4864100"/>
+            <a:ext cx="2111375" cy="1079500"/>
+          </a:xfrm>
+          <a:prstGeom prst="rightArrow">
+            <a:avLst/>
+          </a:prstGeom>
+          <a:solidFill>
+            <a:srgbClr val="FFFF00"/>
+          </a:solidFill>
+        </p:spPr>
+        <p:style>
+          <a:lnRef idx="1">
+            <a:schemeClr val="accent1"/>
+          </a:lnRef>
+          <a:fillRef idx="3">
+            <a:schemeClr val="accent1"/>
+          </a:fillRef>
+          <a:effectRef idx="2">
+            <a:schemeClr val="accent1"/>
+          </a:effectRef>
+          <a:fontRef idx="minor">
+            <a:schemeClr val="lt1"/>
+          </a:fontRef>
+        </p:style>
+        <p:txBody>
+          <a:bodyPr rtlCol="0" anchor="ctr"/>
+          <a:lstStyle/>
+          <a:p>
+            <a:pPr algn="ctr"/>
+            <a:r>
+              <a:rPr lang="en-US" dirty="0" smtClean="0">
+                <a:solidFill>
+                  <a:schemeClr val="tx1"/>
+                </a:solidFill>
+              </a:rPr>
+              <a:t>Open to view results in a map</a:t>
+            </a:r>
+            <a:endParaRPr lang="en-US" dirty="0">
+              <a:solidFill>
+                <a:schemeClr val="tx1"/>
+              </a:solidFill>
+            </a:endParaRPr>
+          </a:p>
+        </p:txBody>
+      </p:sp>
+      <p:sp>
+        <p:nvSpPr>
+          <p:cNvPr id="6" name="Right Arrow 5"/>
+          <p:cNvSpPr/>
+          <p:nvPr/>
+        </p:nvSpPr>
+        <p:spPr>
+          <a:xfrm>
+            <a:off x="330200" y="3073400"/>
+            <a:ext cx="2111375" cy="1079500"/>
+          </a:xfrm>
+          <a:prstGeom prst="rightArrow">
+            <a:avLst/>
+          </a:prstGeom>
+          <a:solidFill>
+            <a:srgbClr val="FFFF00"/>
+          </a:solidFill>
+        </p:spPr>
+        <p:style>
+          <a:lnRef idx="1">
+            <a:schemeClr val="accent1"/>
+          </a:lnRef>
+          <a:fillRef idx="3">
+            <a:schemeClr val="accent1"/>
+          </a:fillRef>
+          <a:effectRef idx="2">
+            <a:schemeClr val="accent1"/>
+          </a:effectRef>
+          <a:fontRef idx="minor">
+            <a:schemeClr val="lt1"/>
+          </a:fontRef>
+        </p:style>
+        <p:txBody>
+          <a:bodyPr rtlCol="0" anchor="ctr"/>
+          <a:lstStyle/>
+          <a:p>
+            <a:pPr algn="ctr"/>
+            <a:r>
+              <a:rPr lang="en-US" dirty="0" smtClean="0">
+                <a:solidFill>
+                  <a:schemeClr val="tx1"/>
+                </a:solidFill>
+              </a:rPr>
+              <a:t>Click on row to see site details</a:t>
+            </a:r>
+            <a:endParaRPr lang="en-US" dirty="0">
+              <a:solidFill>
+                <a:schemeClr val="tx1"/>
+              </a:solidFill>
+            </a:endParaRPr>
+          </a:p>
+        </p:txBody>
+      </p:sp>
+      <p:sp>
+        <p:nvSpPr>
+          <p:cNvPr id="7" name="Right Arrow 6"/>
+          <p:cNvSpPr/>
+          <p:nvPr/>
+        </p:nvSpPr>
+        <p:spPr>
+          <a:xfrm>
+            <a:off x="177800" y="368300"/>
+            <a:ext cx="2111375" cy="1079500"/>
+          </a:xfrm>
+          <a:prstGeom prst="rightArrow">
+            <a:avLst/>
+          </a:prstGeom>
+          <a:solidFill>
+            <a:srgbClr val="FFFF00"/>
+          </a:solidFill>
+        </p:spPr>
+        <p:style>
+          <a:lnRef idx="1">
+            <a:schemeClr val="accent1"/>
+          </a:lnRef>
+          <a:fillRef idx="3">
+            <a:schemeClr val="accent1"/>
+          </a:fillRef>
+          <a:effectRef idx="2">
+            <a:schemeClr val="accent1"/>
+          </a:effectRef>
+          <a:fontRef idx="minor">
+            <a:schemeClr val="lt1"/>
+          </a:fontRef>
+        </p:style>
+        <p:txBody>
+          <a:bodyPr rtlCol="0" anchor="ctr"/>
+          <a:lstStyle/>
+          <a:p>
+            <a:pPr algn="ctr"/>
+            <a:r>
+              <a:rPr lang="en-US" dirty="0" smtClean="0">
+                <a:solidFill>
+                  <a:schemeClr val="tx1"/>
+                </a:solidFill>
+              </a:rPr>
+              <a:t>Open to see search info</a:t>
+            </a:r>
+            <a:endParaRPr lang="en-US" dirty="0">
+              <a:solidFill>
+                <a:schemeClr val="tx1"/>
+              </a:solidFill>
+            </a:endParaRPr>
+          </a:p>
+        </p:txBody>
+      </p:sp>
+      <p:sp>
+        <p:nvSpPr>
+          <p:cNvPr id="9" name="Right Arrow 8"/>
+          <p:cNvSpPr/>
+          <p:nvPr/>
+        </p:nvSpPr>
+        <p:spPr>
+          <a:xfrm>
+            <a:off x="330200" y="1752600"/>
+            <a:ext cx="2111375" cy="1079500"/>
+          </a:xfrm>
+          <a:prstGeom prst="rightArrow">
+            <a:avLst/>
+          </a:prstGeom>
+          <a:solidFill>
+            <a:srgbClr val="FFFF00"/>
+          </a:solidFill>
+        </p:spPr>
+        <p:style>
+          <a:lnRef idx="1">
+            <a:schemeClr val="accent1"/>
+          </a:lnRef>
+          <a:fillRef idx="3">
+            <a:schemeClr val="accent1"/>
+          </a:fillRef>
+          <a:effectRef idx="2">
+            <a:schemeClr val="accent1"/>
+          </a:effectRef>
+          <a:fontRef idx="minor">
+            <a:schemeClr val="lt1"/>
+          </a:fontRef>
+        </p:style>
+        <p:txBody>
+          <a:bodyPr rtlCol="0" anchor="ctr"/>
+          <a:lstStyle/>
+          <a:p>
+            <a:pPr algn="ctr"/>
+            <a:r>
+              <a:rPr lang="en-US" dirty="0" smtClean="0">
+                <a:solidFill>
+                  <a:schemeClr val="tx1"/>
+                </a:solidFill>
+              </a:rPr>
+              <a:t>Select to view individual sites</a:t>
+            </a:r>
+            <a:endParaRPr lang="en-US" dirty="0">
+              <a:solidFill>
+                <a:schemeClr val="tx1"/>
+              </a:solidFill>
+            </a:endParaRPr>
+          </a:p>
+        </p:txBody>
+      </p:sp>
+    </p:spTree>
+  </p:cSld>
+  <p:clrMapOvr>
+    <a:masterClrMapping/>
+  </p:clrMapOvr>
+</p:sld>
+</file>
+
+<file path=ppt/slides/slide3.xml><?xml version="1.0" encoding="utf-8"?>
+<p:sld xmlns:a="http://schemas.openxmlformats.org/drawingml/2006/main" xmlns:r="http://schemas.openxmlformats.org/officeDocument/2006/relationships" xmlns:mc="http://schemas.openxmlformats.org/markup-compatibility/2006" xmlns:mv="urn:schemas-microsoft-com:mac:vml" xmlns:p="http://schemas.openxmlformats.org/presentationml/2006/main" mc:Ignorable="mv" mc:PreserveAttributes="mv:*">
+  <p:cSld>
+    <p:spTree>
+      <p:nvGrpSpPr>
+        <p:cNvPr id="1" name=""/>
+        <p:cNvGrpSpPr/>
+        <p:nvPr/>
+      </p:nvGrpSpPr>
+      <p:grpSpPr>
+        <a:xfrm>
+          <a:off x="0" y="0"/>
+          <a:ext cx="0" cy="0"/>
+          <a:chOff x="0" y="0"/>
+          <a:chExt cx="0" cy="0"/>
+        </a:xfrm>
+      </p:grpSpPr>
+      <p:pic>
+        <p:nvPicPr>
+          <p:cNvPr id="5" name="Picture 4" descr="Screen shot 2011-03-09 at 3.57.10 PM.png"/>
+          <p:cNvPicPr>
+            <a:picLocks noChangeAspect="1"/>
+          </p:cNvPicPr>
+          <p:nvPr/>
+        </p:nvPicPr>
+        <p:blipFill>
+          <a:blip r:embed="rId2"/>
+          <a:stretch>
+            <a:fillRect/>
+          </a:stretch>
+        </p:blipFill>
+        <p:spPr>
+          <a:xfrm>
+            <a:off x="2374899" y="293856"/>
+            <a:ext cx="4600575" cy="6081543"/>
+          </a:xfrm>
+          <a:prstGeom prst="rect">
+            <a:avLst/>
+          </a:prstGeom>
+        </p:spPr>
+      </p:pic>
+    </p:spTree>
+  </p:cSld>
+  <p:clrMapOvr>
+    <a:masterClrMapping/>
+  </p:clrMapOvr>
+</p:sld>
+</file>
+
+<file path=ppt/slides/slide4.xml><?xml version="1.0" encoding="utf-8"?>
+<p:sld xmlns:a="http://schemas.openxmlformats.org/drawingml/2006/main" xmlns:r="http://schemas.openxmlformats.org/officeDocument/2006/relationships" xmlns:mc="http://schemas.openxmlformats.org/markup-compatibility/2006" xmlns:mv="urn:schemas-microsoft-com:mac:vml" xmlns:p="http://schemas.openxmlformats.org/presentationml/2006/main" mc:Ignorable="mv" mc:PreserveAttributes="mv:*">
+  <p:cSld>
+    <p:spTree>
+      <p:nvGrpSpPr>
+        <p:cNvPr id="1" name=""/>
+        <p:cNvGrpSpPr/>
+        <p:nvPr/>
+      </p:nvGrpSpPr>
+      <p:grpSpPr>
+        <a:xfrm>
+          <a:off x="0" y="0"/>
+          <a:ext cx="0" cy="0"/>
+          <a:chOff x="0" y="0"/>
+          <a:chExt cx="0" cy="0"/>
+        </a:xfrm>
+      </p:grpSpPr>
+      <p:pic>
+        <p:nvPicPr>
+          <p:cNvPr id="2" name="Picture 1" descr="Screen shot 2011-03-09 at 4.02.04 PM.png"/>
+          <p:cNvPicPr>
+            <a:picLocks noChangeAspect="1"/>
+          </p:cNvPicPr>
+          <p:nvPr/>
+        </p:nvPicPr>
+        <p:blipFill>
+          <a:blip r:embed="rId2"/>
+          <a:stretch>
+            <a:fillRect/>
+          </a:stretch>
+        </p:blipFill>
+        <p:spPr>
+          <a:xfrm>
+            <a:off x="0" y="190500"/>
+            <a:ext cx="8702675" cy="6858000"/>
+          </a:xfrm>
+          <a:prstGeom prst="rect">
+            <a:avLst/>
+          </a:prstGeom>
+        </p:spPr>
+      </p:pic>
+      <p:sp>
+        <p:nvSpPr>
+          <p:cNvPr id="3" name="Left Arrow 2"/>
+          <p:cNvSpPr/>
+          <p:nvPr/>
+        </p:nvSpPr>
+        <p:spPr>
+          <a:xfrm>
+            <a:off x="2701925" y="1606550"/>
+            <a:ext cx="2095500" cy="1130300"/>
+          </a:xfrm>
+          <a:prstGeom prst="leftArrow">
+            <a:avLst/>
+          </a:prstGeom>
+          <a:solidFill>
+            <a:srgbClr val="FFFF00"/>
+          </a:solidFill>
+        </p:spPr>
+        <p:style>
+          <a:lnRef idx="1">
+            <a:schemeClr val="accent1"/>
+          </a:lnRef>
+          <a:fillRef idx="3">
+            <a:schemeClr val="accent1"/>
+          </a:fillRef>
+          <a:effectRef idx="2">
+            <a:schemeClr val="accent1"/>
+          </a:effectRef>
+          <a:fontRef idx="minor">
+            <a:schemeClr val="lt1"/>
+          </a:fontRef>
+        </p:style>
+        <p:txBody>
+          <a:bodyPr rtlCol="0" anchor="ctr"/>
+          <a:lstStyle/>
+          <a:p>
+            <a:pPr algn="ctr"/>
+            <a:r>
+              <a:rPr lang="en-US" dirty="0" smtClean="0">
+                <a:solidFill>
+                  <a:schemeClr val="tx1"/>
+                </a:solidFill>
+              </a:rPr>
+              <a:t>Refine your search</a:t>
+            </a:r>
+            <a:endParaRPr lang="en-US" dirty="0">
+              <a:solidFill>
+                <a:schemeClr val="tx1"/>
+              </a:solidFill>
+            </a:endParaRPr>
+          </a:p>
+        </p:txBody>
+      </p:sp>
+      <p:sp>
+        <p:nvSpPr>
+          <p:cNvPr id="4" name="Right Arrow 3"/>
+          <p:cNvSpPr/>
+          <p:nvPr/>
+        </p:nvSpPr>
+        <p:spPr>
+          <a:xfrm>
+            <a:off x="4200525" y="2832100"/>
+            <a:ext cx="2111375" cy="1079500"/>
+          </a:xfrm>
+          <a:prstGeom prst="rightArrow">
+            <a:avLst/>
+          </a:prstGeom>
+          <a:solidFill>
+            <a:srgbClr val="FFFF00"/>
+          </a:solidFill>
+        </p:spPr>
+        <p:style>
+          <a:lnRef idx="1">
+            <a:schemeClr val="accent1"/>
+          </a:lnRef>
+          <a:fillRef idx="3">
+            <a:schemeClr val="accent1"/>
+          </a:fillRef>
+          <a:effectRef idx="2">
+            <a:schemeClr val="accent1"/>
+          </a:effectRef>
+          <a:fontRef idx="minor">
+            <a:schemeClr val="lt1"/>
+          </a:fontRef>
+        </p:style>
+        <p:txBody>
+          <a:bodyPr rtlCol="0" anchor="ctr"/>
+          <a:lstStyle/>
+          <a:p>
+            <a:pPr algn="ctr"/>
+            <a:r>
+              <a:rPr lang="en-US" dirty="0" smtClean="0">
+                <a:solidFill>
+                  <a:schemeClr val="tx1"/>
+                </a:solidFill>
+              </a:rPr>
+              <a:t>Search for files</a:t>
+            </a:r>
+            <a:endParaRPr lang="en-US" dirty="0">
+              <a:solidFill>
+                <a:schemeClr val="tx1"/>
+              </a:solidFill>
+            </a:endParaRPr>
+          </a:p>
+        </p:txBody>
+      </p:sp>
+    </p:spTree>
+  </p:cSld>
+  <p:clrMapOvr>
+    <a:masterClrMapping/>
+  </p:clrMapOvr>
+</p:sld>
+</file>
+
+<file path=ppt/slides/slide5.xml><?xml version="1.0" encoding="utf-8"?>
+<p:sld xmlns:a="http://schemas.openxmlformats.org/drawingml/2006/main" xmlns:r="http://schemas.openxmlformats.org/officeDocument/2006/relationships" xmlns:mc="http://schemas.openxmlformats.org/markup-compatibility/2006" xmlns:mv="urn:schemas-microsoft-com:mac:vml" xmlns:p="http://schemas.openxmlformats.org/presentationml/2006/main" mc:Ignorable="mv" mc:PreserveAttributes="mv:*">
+  <p:cSld>
+    <p:spTree>
+      <p:nvGrpSpPr>
+        <p:cNvPr id="1" name=""/>
+        <p:cNvGrpSpPr/>
+        <p:nvPr/>
+      </p:nvGrpSpPr>
+      <p:grpSpPr>
+        <a:xfrm>
+          <a:off x="0" y="0"/>
+          <a:ext cx="0" cy="0"/>
+          <a:chOff x="0" y="0"/>
+          <a:chExt cx="0" cy="0"/>
+        </a:xfrm>
+      </p:grpSpPr>
+      <p:pic>
+        <p:nvPicPr>
+          <p:cNvPr id="3" name="Picture 2" descr="Screen shot 2011-03-09 at 4.07.42 PM.png"/>
+          <p:cNvPicPr>
+            <a:picLocks noChangeAspect="1"/>
+          </p:cNvPicPr>
+          <p:nvPr/>
+        </p:nvPicPr>
+        <p:blipFill>
+          <a:blip r:embed="rId2"/>
+          <a:stretch>
+            <a:fillRect/>
+          </a:stretch>
+        </p:blipFill>
+        <p:spPr>
+          <a:xfrm>
+            <a:off x="1857375" y="0"/>
+            <a:ext cx="7502525" cy="6858000"/>
+          </a:xfrm>
+          <a:prstGeom prst="rect">
+            <a:avLst/>
+          </a:prstGeom>
+        </p:spPr>
+      </p:pic>
+      <p:sp>
+        <p:nvSpPr>
+          <p:cNvPr id="4" name="Right Arrow 3"/>
+          <p:cNvSpPr/>
+          <p:nvPr/>
+        </p:nvSpPr>
+        <p:spPr>
+          <a:xfrm>
+            <a:off x="0" y="520700"/>
+            <a:ext cx="2111375" cy="1079500"/>
+          </a:xfrm>
+          <a:prstGeom prst="rightArrow">
+            <a:avLst/>
+          </a:prstGeom>
+          <a:solidFill>
+            <a:srgbClr val="FFFF00"/>
+          </a:solidFill>
+        </p:spPr>
+        <p:style>
+          <a:lnRef idx="1">
+            <a:schemeClr val="accent1"/>
+          </a:lnRef>
+          <a:fillRef idx="3">
+            <a:schemeClr val="accent1"/>
+          </a:fillRef>
+          <a:effectRef idx="2">
+            <a:schemeClr val="accent1"/>
+          </a:effectRef>
+          <a:fontRef idx="minor">
+            <a:schemeClr val="lt1"/>
+          </a:fontRef>
+        </p:style>
+        <p:txBody>
+          <a:bodyPr rtlCol="0" anchor="ctr"/>
+          <a:lstStyle/>
+          <a:p>
+            <a:pPr algn="ctr"/>
+            <a:r>
+              <a:rPr lang="en-US" dirty="0" smtClean="0">
+                <a:solidFill>
+                  <a:schemeClr val="tx1"/>
+                </a:solidFill>
+              </a:rPr>
+              <a:t>Search for files or download them</a:t>
+            </a:r>
+            <a:endParaRPr lang="en-US" dirty="0">
+              <a:solidFill>
+                <a:schemeClr val="tx1"/>
+              </a:solidFill>
+            </a:endParaRPr>
+          </a:p>
+        </p:txBody>
+      </p:sp>
+      <p:sp>
+        <p:nvSpPr>
+          <p:cNvPr id="5" name="Right Arrow 4"/>
+          <p:cNvSpPr/>
+          <p:nvPr/>
+        </p:nvSpPr>
+        <p:spPr>
+          <a:xfrm>
+            <a:off x="0" y="3149600"/>
+            <a:ext cx="2298700" cy="1079500"/>
+          </a:xfrm>
+          <a:prstGeom prst="rightArrow">
+            <a:avLst/>
+          </a:prstGeom>
+          <a:solidFill>
+            <a:srgbClr val="FFFF00"/>
+          </a:solidFill>
+        </p:spPr>
+        <p:style>
+          <a:lnRef idx="1">
+            <a:schemeClr val="accent1"/>
+          </a:lnRef>
+          <a:fillRef idx="3">
+            <a:schemeClr val="accent1"/>
+          </a:fillRef>
+          <a:effectRef idx="2">
+            <a:schemeClr val="accent1"/>
+          </a:effectRef>
+          <a:fontRef idx="minor">
+            <a:schemeClr val="lt1"/>
+          </a:fontRef>
+        </p:style>
+        <p:txBody>
+          <a:bodyPr rtlCol="0" anchor="ctr"/>
+          <a:lstStyle/>
+          <a:p>
+            <a:pPr algn="ctr"/>
+            <a:r>
+              <a:rPr lang="en-US" dirty="0" smtClean="0">
+                <a:solidFill>
+                  <a:schemeClr val="tx1"/>
+                </a:solidFill>
+              </a:rPr>
+              <a:t>Site search criteria carried over</a:t>
+            </a:r>
+            <a:endParaRPr lang="en-US" dirty="0">
+              <a:solidFill>
+                <a:schemeClr val="tx1"/>
+              </a:solidFill>
+            </a:endParaRPr>
+          </a:p>
+        </p:txBody>
+      </p:sp>
+      <p:sp>
+        <p:nvSpPr>
+          <p:cNvPr id="6" name="Left Arrow 5"/>
+          <p:cNvSpPr/>
+          <p:nvPr/>
+        </p:nvSpPr>
+        <p:spPr>
+          <a:xfrm>
+            <a:off x="5765800" y="1289050"/>
+            <a:ext cx="3009900" cy="1054100"/>
+          </a:xfrm>
+          <a:prstGeom prst="leftArrow">
+            <a:avLst/>
+          </a:prstGeom>
+          <a:solidFill>
+            <a:srgbClr val="FFFF00"/>
+          </a:solidFill>
+        </p:spPr>
+        <p:style>
+          <a:lnRef idx="1">
+            <a:schemeClr val="accent1"/>
+          </a:lnRef>
+          <a:fillRef idx="3">
+            <a:schemeClr val="accent1"/>
+          </a:fillRef>
+          <a:effectRef idx="2">
+            <a:schemeClr val="accent1"/>
+          </a:effectRef>
+          <a:fontRef idx="minor">
+            <a:schemeClr val="lt1"/>
+          </a:fontRef>
+        </p:style>
+        <p:txBody>
+          <a:bodyPr rtlCol="0" anchor="ctr"/>
+          <a:lstStyle/>
+          <a:p>
+            <a:pPr algn="ctr"/>
+            <a:r>
+              <a:rPr lang="en-US" dirty="0" smtClean="0">
+                <a:solidFill>
+                  <a:schemeClr val="tx1"/>
+                </a:solidFill>
+              </a:rPr>
+              <a:t>Choose file type and date</a:t>
+            </a:r>
+            <a:endParaRPr lang="en-US" dirty="0">
+              <a:solidFill>
+                <a:schemeClr val="tx1"/>
+              </a:solidFill>
+            </a:endParaRPr>
+          </a:p>
+        </p:txBody>
+      </p:sp>
+      <p:sp>
+        <p:nvSpPr>
+          <p:cNvPr id="7" name="Left Arrow 6"/>
+          <p:cNvSpPr/>
+          <p:nvPr/>
+        </p:nvSpPr>
+        <p:spPr>
+          <a:xfrm>
+            <a:off x="5080000" y="4584700"/>
+            <a:ext cx="2590800" cy="1054100"/>
+          </a:xfrm>
+          <a:prstGeom prst="leftArrow">
+            <a:avLst/>
+          </a:prstGeom>
+          <a:solidFill>
+            <a:srgbClr val="FFFF00"/>
+          </a:solidFill>
+        </p:spPr>
+        <p:style>
+          <a:lnRef idx="1">
+            <a:schemeClr val="accent1"/>
+          </a:lnRef>
+          <a:fillRef idx="3">
+            <a:schemeClr val="accent1"/>
+          </a:fillRef>
+          <a:effectRef idx="2">
+            <a:schemeClr val="accent1"/>
+          </a:effectRef>
+          <a:fontRef idx="minor">
+            <a:schemeClr val="lt1"/>
+          </a:fontRef>
+        </p:style>
+        <p:txBody>
+          <a:bodyPr rtlCol="0" anchor="ctr"/>
+          <a:lstStyle/>
+          <a:p>
+            <a:pPr algn="ctr"/>
+            <a:r>
+              <a:rPr lang="en-US" dirty="0" smtClean="0">
+                <a:solidFill>
+                  <a:schemeClr val="tx1"/>
+                </a:solidFill>
+              </a:rPr>
+              <a:t>Choose result format</a:t>
+            </a:r>
+            <a:endParaRPr lang="en-US" dirty="0">
+              <a:solidFill>
+                <a:schemeClr val="tx1"/>
+              </a:solidFill>
+            </a:endParaRPr>
+          </a:p>
+        </p:txBody>
+      </p:sp>
+    </p:spTree>
+  </p:cSld>
+  <p:clrMapOvr>
+    <a:masterClrMapping/>
+  </p:clrMapOvr>
+</p:sld>
+</file>
+
+<file path=ppt/slides/slide6.xml><?xml version="1.0" encoding="utf-8"?>
+<p:sld xmlns:a="http://schemas.openxmlformats.org/drawingml/2006/main" xmlns:r="http://schemas.openxmlformats.org/officeDocument/2006/relationships" xmlns:mc="http://schemas.openxmlformats.org/markup-compatibility/2006" xmlns:mv="urn:schemas-microsoft-com:mac:vml" xmlns:p="http://schemas.openxmlformats.org/presentationml/2006/main" mc:Ignorable="mv" mc:PreserveAttributes="mv:*">
+  <p:cSld>
+    <p:spTree>
+      <p:nvGrpSpPr>
+        <p:cNvPr id="1" name=""/>
+        <p:cNvGrpSpPr/>
+        <p:nvPr/>
+      </p:nvGrpSpPr>
+      <p:grpSpPr>
+        <a:xfrm>
+          <a:off x="0" y="0"/>
+          <a:ext cx="0" cy="0"/>
+          <a:chOff x="0" y="0"/>
+          <a:chExt cx="0" cy="0"/>
+        </a:xfrm>
+      </p:grpSpPr>
+      <p:pic>
+        <p:nvPicPr>
+          <p:cNvPr id="2" name="Picture 1" descr="Screen shot 2011-03-09 at 4.13.23 PM.png"/>
+          <p:cNvPicPr>
+            <a:picLocks noChangeAspect="1"/>
+          </p:cNvPicPr>
+          <p:nvPr/>
+        </p:nvPicPr>
+        <p:blipFill>
+          <a:blip r:embed="rId2"/>
+          <a:srcRect l="5636" t="5609" r="5491" b="12530"/>
+          <a:stretch>
+            <a:fillRect/>
+          </a:stretch>
+        </p:blipFill>
+        <p:spPr>
+          <a:xfrm>
+            <a:off x="850900" y="1206500"/>
+            <a:ext cx="7810500" cy="4356100"/>
           </a:xfrm>
           <a:prstGeom prst="rect">
             <a:avLst/>

--- a/src/org/gsac/gsl/docs/gsac.pptx
+++ b/src/org/gsac/gsl/docs/gsac.pptx
@@ -294,7 +294,7 @@
             <a:fld id="{27971377-3EC4-BD4A-A095-D64D37B3E052}" type="datetimeFigureOut">
               <a:rPr lang="en-US" smtClean="0"/>
               <a:pPr/>
-              <a:t>3/9/11</a:t>
+              <a:t>9/8/11</a:t>
             </a:fld>
             <a:endParaRPr lang="en-US"/>
           </a:p>
@@ -461,7 +461,7 @@
             <a:fld id="{27971377-3EC4-BD4A-A095-D64D37B3E052}" type="datetimeFigureOut">
               <a:rPr lang="en-US" smtClean="0"/>
               <a:pPr/>
-              <a:t>3/9/11</a:t>
+              <a:t>9/8/11</a:t>
             </a:fld>
             <a:endParaRPr lang="en-US"/>
           </a:p>
@@ -638,7 +638,7 @@
             <a:fld id="{27971377-3EC4-BD4A-A095-D64D37B3E052}" type="datetimeFigureOut">
               <a:rPr lang="en-US" smtClean="0"/>
               <a:pPr/>
-              <a:t>3/9/11</a:t>
+              <a:t>9/8/11</a:t>
             </a:fld>
             <a:endParaRPr lang="en-US"/>
           </a:p>
@@ -805,7 +805,7 @@
             <a:fld id="{27971377-3EC4-BD4A-A095-D64D37B3E052}" type="datetimeFigureOut">
               <a:rPr lang="en-US" smtClean="0"/>
               <a:pPr/>
-              <a:t>3/9/11</a:t>
+              <a:t>9/8/11</a:t>
             </a:fld>
             <a:endParaRPr lang="en-US"/>
           </a:p>
@@ -1048,7 +1048,7 @@
             <a:fld id="{27971377-3EC4-BD4A-A095-D64D37B3E052}" type="datetimeFigureOut">
               <a:rPr lang="en-US" smtClean="0"/>
               <a:pPr/>
-              <a:t>3/9/11</a:t>
+              <a:t>9/8/11</a:t>
             </a:fld>
             <a:endParaRPr lang="en-US"/>
           </a:p>
@@ -1333,7 +1333,7 @@
             <a:fld id="{27971377-3EC4-BD4A-A095-D64D37B3E052}" type="datetimeFigureOut">
               <a:rPr lang="en-US" smtClean="0"/>
               <a:pPr/>
-              <a:t>3/9/11</a:t>
+              <a:t>9/8/11</a:t>
             </a:fld>
             <a:endParaRPr lang="en-US"/>
           </a:p>
@@ -1752,7 +1752,7 @@
             <a:fld id="{27971377-3EC4-BD4A-A095-D64D37B3E052}" type="datetimeFigureOut">
               <a:rPr lang="en-US" smtClean="0"/>
               <a:pPr/>
-              <a:t>3/9/11</a:t>
+              <a:t>9/8/11</a:t>
             </a:fld>
             <a:endParaRPr lang="en-US"/>
           </a:p>
@@ -1867,7 +1867,7 @@
             <a:fld id="{27971377-3EC4-BD4A-A095-D64D37B3E052}" type="datetimeFigureOut">
               <a:rPr lang="en-US" smtClean="0"/>
               <a:pPr/>
-              <a:t>3/9/11</a:t>
+              <a:t>9/8/11</a:t>
             </a:fld>
             <a:endParaRPr lang="en-US"/>
           </a:p>
@@ -1959,7 +1959,7 @@
             <a:fld id="{27971377-3EC4-BD4A-A095-D64D37B3E052}" type="datetimeFigureOut">
               <a:rPr lang="en-US" smtClean="0"/>
               <a:pPr/>
-              <a:t>3/9/11</a:t>
+              <a:t>9/8/11</a:t>
             </a:fld>
             <a:endParaRPr lang="en-US"/>
           </a:p>
@@ -2233,7 +2233,7 @@
             <a:fld id="{27971377-3EC4-BD4A-A095-D64D37B3E052}" type="datetimeFigureOut">
               <a:rPr lang="en-US" smtClean="0"/>
               <a:pPr/>
-              <a:t>3/9/11</a:t>
+              <a:t>9/8/11</a:t>
             </a:fld>
             <a:endParaRPr lang="en-US"/>
           </a:p>
@@ -2483,7 +2483,7 @@
             <a:fld id="{27971377-3EC4-BD4A-A095-D64D37B3E052}" type="datetimeFigureOut">
               <a:rPr lang="en-US" smtClean="0"/>
               <a:pPr/>
-              <a:t>3/9/11</a:t>
+              <a:t>9/8/11</a:t>
             </a:fld>
             <a:endParaRPr lang="en-US"/>
           </a:p>
@@ -2693,7 +2693,7 @@
             <a:fld id="{27971377-3EC4-BD4A-A095-D64D37B3E052}" type="datetimeFigureOut">
               <a:rPr lang="en-US" smtClean="0"/>
               <a:pPr/>
-              <a:t>3/9/11</a:t>
+              <a:t>9/8/11</a:t>
             </a:fld>
             <a:endParaRPr lang="en-US"/>
           </a:p>
@@ -3380,7 +3380,7 @@
       </p:grpSpPr>
       <p:pic>
         <p:nvPicPr>
-          <p:cNvPr id="10" name="Picture 9" descr="Screen shot 2011-03-09 at 3.58.53 PM.png"/>
+          <p:cNvPr id="8" name="Picture 7" descr="foo.png"/>
           <p:cNvPicPr>
             <a:picLocks noChangeAspect="1"/>
           </p:cNvPicPr>
@@ -3394,8 +3394,8 @@
         </p:blipFill>
         <p:spPr>
           <a:xfrm>
-            <a:off x="2035175" y="6350"/>
-            <a:ext cx="7292976" cy="6858000"/>
+            <a:off x="2246781" y="1536606"/>
+            <a:ext cx="6581587" cy="3327494"/>
           </a:xfrm>
           <a:prstGeom prst="rect">
             <a:avLst/>
@@ -3404,13 +3404,13 @@
       </p:pic>
       <p:sp>
         <p:nvSpPr>
-          <p:cNvPr id="5" name="Right Arrow 4"/>
+          <p:cNvPr id="6" name="Right Arrow 5"/>
           <p:cNvSpPr/>
           <p:nvPr/>
         </p:nvSpPr>
         <p:spPr>
           <a:xfrm>
-            <a:off x="330200" y="4864100"/>
+            <a:off x="330200" y="3282950"/>
             <a:ext cx="2111375" cy="1079500"/>
           </a:xfrm>
           <a:prstGeom prst="rightArrow">
@@ -3445,7 +3445,7 @@
                   <a:schemeClr val="tx1"/>
                 </a:solidFill>
               </a:rPr>
-              <a:t>Open to view results in a map</a:t>
+              <a:t>Click on row to see site details</a:t>
             </a:r>
             <a:endParaRPr lang="en-US" dirty="0">
               <a:solidFill>
@@ -3457,119 +3457,13 @@
       </p:sp>
       <p:sp>
         <p:nvSpPr>
-          <p:cNvPr id="6" name="Right Arrow 5"/>
-          <p:cNvSpPr/>
-          <p:nvPr/>
-        </p:nvSpPr>
-        <p:spPr>
-          <a:xfrm>
-            <a:off x="330200" y="3073400"/>
-            <a:ext cx="2111375" cy="1079500"/>
-          </a:xfrm>
-          <a:prstGeom prst="rightArrow">
-            <a:avLst/>
-          </a:prstGeom>
-          <a:solidFill>
-            <a:srgbClr val="FFFF00"/>
-          </a:solidFill>
-        </p:spPr>
-        <p:style>
-          <a:lnRef idx="1">
-            <a:schemeClr val="accent1"/>
-          </a:lnRef>
-          <a:fillRef idx="3">
-            <a:schemeClr val="accent1"/>
-          </a:fillRef>
-          <a:effectRef idx="2">
-            <a:schemeClr val="accent1"/>
-          </a:effectRef>
-          <a:fontRef idx="minor">
-            <a:schemeClr val="lt1"/>
-          </a:fontRef>
-        </p:style>
-        <p:txBody>
-          <a:bodyPr rtlCol="0" anchor="ctr"/>
-          <a:lstStyle/>
-          <a:p>
-            <a:pPr algn="ctr"/>
-            <a:r>
-              <a:rPr lang="en-US" dirty="0" smtClean="0">
-                <a:solidFill>
-                  <a:schemeClr val="tx1"/>
-                </a:solidFill>
-              </a:rPr>
-              <a:t>Click on row to see site details</a:t>
-            </a:r>
-            <a:endParaRPr lang="en-US" dirty="0">
-              <a:solidFill>
-                <a:schemeClr val="tx1"/>
-              </a:solidFill>
-            </a:endParaRPr>
-          </a:p>
-        </p:txBody>
-      </p:sp>
-      <p:sp>
-        <p:nvSpPr>
-          <p:cNvPr id="7" name="Right Arrow 6"/>
-          <p:cNvSpPr/>
-          <p:nvPr/>
-        </p:nvSpPr>
-        <p:spPr>
-          <a:xfrm>
-            <a:off x="177800" y="368300"/>
-            <a:ext cx="2111375" cy="1079500"/>
-          </a:xfrm>
-          <a:prstGeom prst="rightArrow">
-            <a:avLst/>
-          </a:prstGeom>
-          <a:solidFill>
-            <a:srgbClr val="FFFF00"/>
-          </a:solidFill>
-        </p:spPr>
-        <p:style>
-          <a:lnRef idx="1">
-            <a:schemeClr val="accent1"/>
-          </a:lnRef>
-          <a:fillRef idx="3">
-            <a:schemeClr val="accent1"/>
-          </a:fillRef>
-          <a:effectRef idx="2">
-            <a:schemeClr val="accent1"/>
-          </a:effectRef>
-          <a:fontRef idx="minor">
-            <a:schemeClr val="lt1"/>
-          </a:fontRef>
-        </p:style>
-        <p:txBody>
-          <a:bodyPr rtlCol="0" anchor="ctr"/>
-          <a:lstStyle/>
-          <a:p>
-            <a:pPr algn="ctr"/>
-            <a:r>
-              <a:rPr lang="en-US" dirty="0" smtClean="0">
-                <a:solidFill>
-                  <a:schemeClr val="tx1"/>
-                </a:solidFill>
-              </a:rPr>
-              <a:t>Open to see search info</a:t>
-            </a:r>
-            <a:endParaRPr lang="en-US" dirty="0">
-              <a:solidFill>
-                <a:schemeClr val="tx1"/>
-              </a:solidFill>
-            </a:endParaRPr>
-          </a:p>
-        </p:txBody>
-      </p:sp>
-      <p:sp>
-        <p:nvSpPr>
           <p:cNvPr id="9" name="Right Arrow 8"/>
           <p:cNvSpPr/>
           <p:nvPr/>
         </p:nvSpPr>
         <p:spPr>
           <a:xfrm>
-            <a:off x="330200" y="1752600"/>
+            <a:off x="330200" y="2203450"/>
             <a:ext cx="2111375" cy="1079500"/>
           </a:xfrm>
           <a:prstGeom prst="rightArrow">
@@ -3690,7 +3584,7 @@
       </p:grpSpPr>
       <p:pic>
         <p:nvPicPr>
-          <p:cNvPr id="2" name="Picture 1" descr="Screen shot 2011-03-09 at 4.02.04 PM.png"/>
+          <p:cNvPr id="5" name="Picture 4" descr="foo.png"/>
           <p:cNvPicPr>
             <a:picLocks noChangeAspect="1"/>
           </p:cNvPicPr>
@@ -3704,8 +3598,8 @@
         </p:blipFill>
         <p:spPr>
           <a:xfrm>
-            <a:off x="0" y="190500"/>
-            <a:ext cx="8702675" cy="6858000"/>
+            <a:off x="314325" y="963230"/>
+            <a:ext cx="7772400" cy="4106040"/>
           </a:xfrm>
           <a:prstGeom prst="rect">
             <a:avLst/>
@@ -3720,7 +3614,7 @@
         </p:nvSpPr>
         <p:spPr>
           <a:xfrm>
-            <a:off x="2701925" y="1606550"/>
+            <a:off x="2701925" y="1885950"/>
             <a:ext cx="2095500" cy="1130300"/>
           </a:xfrm>
           <a:prstGeom prst="leftArrow">
@@ -3773,7 +3667,7 @@
         </p:nvSpPr>
         <p:spPr>
           <a:xfrm>
-            <a:off x="4200525" y="2832100"/>
+            <a:off x="4495800" y="3016250"/>
             <a:ext cx="2111375" cy="1079500"/>
           </a:xfrm>
           <a:prstGeom prst="rightArrow">
@@ -3809,6 +3703,67 @@
                 </a:solidFill>
               </a:rPr>
               <a:t>Search for files</a:t>
+            </a:r>
+            <a:endParaRPr lang="en-US" dirty="0">
+              <a:solidFill>
+                <a:schemeClr val="tx1"/>
+              </a:solidFill>
+            </a:endParaRPr>
+          </a:p>
+        </p:txBody>
+      </p:sp>
+      <p:sp>
+        <p:nvSpPr>
+          <p:cNvPr id="6" name="Left Arrow 5"/>
+          <p:cNvSpPr/>
+          <p:nvPr/>
+        </p:nvSpPr>
+        <p:spPr>
+          <a:xfrm>
+            <a:off x="2041525" y="3938970"/>
+            <a:ext cx="2755900" cy="1130300"/>
+          </a:xfrm>
+          <a:prstGeom prst="leftArrow">
+            <a:avLst/>
+          </a:prstGeom>
+          <a:solidFill>
+            <a:srgbClr val="FFFF00"/>
+          </a:solidFill>
+        </p:spPr>
+        <p:style>
+          <a:lnRef idx="1">
+            <a:schemeClr val="accent1"/>
+          </a:lnRef>
+          <a:fillRef idx="3">
+            <a:schemeClr val="accent1"/>
+          </a:fillRef>
+          <a:effectRef idx="2">
+            <a:schemeClr val="accent1"/>
+          </a:effectRef>
+          <a:fontRef idx="minor">
+            <a:schemeClr val="lt1"/>
+          </a:fontRef>
+        </p:style>
+        <p:txBody>
+          <a:bodyPr rtlCol="0" anchor="ctr"/>
+          <a:lstStyle/>
+          <a:p>
+            <a:pPr algn="ctr"/>
+            <a:r>
+              <a:rPr lang="en-US" dirty="0" smtClean="0">
+                <a:solidFill>
+                  <a:schemeClr val="tx1"/>
+                </a:solidFill>
+              </a:rPr>
+              <a:t>Direct links to other </a:t>
+            </a:r>
+            <a:r>
+              <a:rPr lang="en-US" dirty="0" smtClean="0">
+                <a:solidFill>
+                  <a:schemeClr val="tx1"/>
+                </a:solidFill>
+              </a:rPr>
+              <a:t>output formats</a:t>
             </a:r>
             <a:endParaRPr lang="en-US" dirty="0">
               <a:solidFill>
